--- a/elasticSearch專題報告.pptx
+++ b/elasticSearch專題報告.pptx
@@ -208,7 +208,7 @@
           <a:p>
             <a:fld id="{CB6164A9-2FC8-4C74-B8F9-614C0EAB0230}" type="datetimeFigureOut">
               <a:rPr lang="zh-TW" altLang="en-US" smtClean="0"/>
-              <a:t>2021/8/23</a:t>
+              <a:t>2021/8/28</a:t>
             </a:fld>
             <a:endParaRPr lang="zh-TW" altLang="en-US"/>
           </a:p>
@@ -760,6 +760,106 @@
     <p:extLst>
       <p:ext uri="{BB962C8B-B14F-4D97-AF65-F5344CB8AC3E}">
         <p14:creationId xmlns:p14="http://schemas.microsoft.com/office/powerpoint/2010/main" val="722674176"/>
+      </p:ext>
+    </p:extLst>
+  </p:cSld>
+  <p:clrMapOvr>
+    <a:masterClrMapping/>
+  </p:clrMapOvr>
+</p:notes>
+</file>
+
+<file path=ppt/notesSlides/notesSlide12.xml><?xml version="1.0" encoding="utf-8"?>
+<p:notes xmlns:a="http://schemas.openxmlformats.org/drawingml/2006/main" xmlns:r="http://schemas.openxmlformats.org/officeDocument/2006/relationships" xmlns:p="http://schemas.openxmlformats.org/presentationml/2006/main">
+  <p:cSld>
+    <p:spTree>
+      <p:nvGrpSpPr>
+        <p:cNvPr id="1" name=""/>
+        <p:cNvGrpSpPr/>
+        <p:nvPr/>
+      </p:nvGrpSpPr>
+      <p:grpSpPr>
+        <a:xfrm>
+          <a:off x="0" y="0"/>
+          <a:ext cx="0" cy="0"/>
+          <a:chOff x="0" y="0"/>
+          <a:chExt cx="0" cy="0"/>
+        </a:xfrm>
+      </p:grpSpPr>
+      <p:sp>
+        <p:nvSpPr>
+          <p:cNvPr id="2" name="投影片圖像版面配置區 1"/>
+          <p:cNvSpPr>
+            <a:spLocks noGrp="1" noRot="1" noChangeAspect="1"/>
+          </p:cNvSpPr>
+          <p:nvPr>
+            <p:ph type="sldImg"/>
+          </p:nvPr>
+        </p:nvSpPr>
+        <p:spPr/>
+      </p:sp>
+      <p:sp>
+        <p:nvSpPr>
+          <p:cNvPr id="3" name="備忘稿版面配置區 2"/>
+          <p:cNvSpPr>
+            <a:spLocks noGrp="1"/>
+          </p:cNvSpPr>
+          <p:nvPr>
+            <p:ph type="body" idx="1"/>
+          </p:nvPr>
+        </p:nvSpPr>
+        <p:spPr/>
+        <p:txBody>
+          <a:bodyPr/>
+          <a:lstStyle/>
+          <a:p>
+            <a:r>
+              <a:rPr lang="en-US" altLang="zh-TW" dirty="0" smtClean="0"/>
+              <a:t>http://localhost:5601</a:t>
+            </a:r>
+          </a:p>
+          <a:p>
+            <a:r>
+              <a:rPr lang="en-US" altLang="zh-TW" dirty="0" smtClean="0"/>
+              <a:t>"D:\user\Desktop\logstash-7.12.1\bin\logstash.bat" -f "D:\user\Desktop\logstash-7.12.1\config\logstash_ES.conf“</a:t>
+            </a:r>
+          </a:p>
+          <a:p>
+            <a:r>
+              <a:rPr lang="en-US" altLang="zh-TW" smtClean="0"/>
+              <a:t>http://localhost:9090/parse/%E6%BC%94%E7%AE%97%E6%B3%95</a:t>
+            </a:r>
+            <a:endParaRPr lang="zh-TW" altLang="en-US" dirty="0"/>
+          </a:p>
+        </p:txBody>
+      </p:sp>
+      <p:sp>
+        <p:nvSpPr>
+          <p:cNvPr id="4" name="投影片編號版面配置區 3"/>
+          <p:cNvSpPr>
+            <a:spLocks noGrp="1"/>
+          </p:cNvSpPr>
+          <p:nvPr>
+            <p:ph type="sldNum" sz="quarter" idx="10"/>
+          </p:nvPr>
+        </p:nvSpPr>
+        <p:spPr/>
+        <p:txBody>
+          <a:bodyPr/>
+          <a:lstStyle/>
+          <a:p>
+            <a:fld id="{85F6708E-CA65-47FD-9C8B-13BBB81B1837}" type="slidenum">
+              <a:rPr lang="zh-TW" altLang="en-US" smtClean="0"/>
+              <a:t>17</a:t>
+            </a:fld>
+            <a:endParaRPr lang="zh-TW" altLang="en-US"/>
+          </a:p>
+        </p:txBody>
+      </p:sp>
+    </p:spTree>
+    <p:extLst>
+      <p:ext uri="{BB962C8B-B14F-4D97-AF65-F5344CB8AC3E}">
+        <p14:creationId xmlns:p14="http://schemas.microsoft.com/office/powerpoint/2010/main" val="681458069"/>
       </p:ext>
     </p:extLst>
   </p:cSld>
@@ -3023,44 +3123,6 @@
           </a:prstGeom>
         </p:spPr>
       </p:pic>
-      <p:sp>
-        <p:nvSpPr>
-          <p:cNvPr id="4" name="文字方塊 3"/>
-          <p:cNvSpPr txBox="1"/>
-          <p:nvPr/>
-        </p:nvSpPr>
-        <p:spPr>
-          <a:xfrm>
-            <a:off x="6113462" y="1995686"/>
-            <a:ext cx="2195431" cy="369332"/>
-          </a:xfrm>
-          <a:prstGeom prst="rect">
-            <a:avLst/>
-          </a:prstGeom>
-          <a:noFill/>
-        </p:spPr>
-        <p:txBody>
-          <a:bodyPr wrap="square" rtlCol="0">
-            <a:spAutoFit/>
-          </a:bodyPr>
-          <a:lstStyle/>
-          <a:p>
-            <a:r>
-              <a:rPr lang="zh-TW" altLang="en-US" dirty="0" smtClean="0"/>
-              <a:t>報告人 </a:t>
-            </a:r>
-            <a:r>
-              <a:rPr lang="en-US" altLang="zh-TW" dirty="0" smtClean="0"/>
-              <a:t>:</a:t>
-            </a:r>
-            <a:r>
-              <a:rPr lang="zh-TW" altLang="en-US" dirty="0" smtClean="0"/>
-              <a:t> 李兪鋒</a:t>
-            </a:r>
-            <a:endParaRPr lang="zh-TW" altLang="en-US" dirty="0"/>
-          </a:p>
-        </p:txBody>
-      </p:sp>
     </p:spTree>
     <p:extLst>
       <p:ext uri="{BB962C8B-B14F-4D97-AF65-F5344CB8AC3E}">
@@ -5610,8 +5672,8 @@
           <a:lstStyle/>
           <a:p>
             <a:r>
-              <a:rPr lang="zh-TW" altLang="en-US" smtClean="0"/>
-              <a:t>全文搜索</a:t>
+              <a:rPr lang="zh-TW" altLang="en-US" dirty="0" smtClean="0"/>
+              <a:t>書局全文搜索</a:t>
             </a:r>
             <a:endParaRPr lang="zh-TW" altLang="en-US" dirty="0"/>
           </a:p>
@@ -5629,10 +5691,50 @@
         </p:nvSpPr>
         <p:spPr/>
         <p:txBody>
-          <a:bodyPr/>
+          <a:bodyPr>
+            <a:normAutofit/>
+          </a:bodyPr>
           <a:lstStyle/>
           <a:p>
-            <a:endParaRPr lang="zh-TW" altLang="en-US" dirty="0"/>
+            <a:r>
+              <a:rPr lang="zh-TW" altLang="en-US" sz="2000" dirty="0" smtClean="0"/>
+              <a:t>前後</a:t>
+            </a:r>
+            <a:r>
+              <a:rPr lang="zh-TW" altLang="en-US" sz="2000" dirty="0"/>
+              <a:t>端分離，資料庫為 </a:t>
+            </a:r>
+            <a:r>
+              <a:rPr lang="en-US" altLang="zh-TW" sz="2000" dirty="0" err="1"/>
+              <a:t>ElasticSearch</a:t>
+            </a:r>
+            <a:r>
+              <a:rPr lang="en-US" altLang="zh-TW" sz="2000" dirty="0"/>
+              <a:t> </a:t>
+            </a:r>
+            <a:r>
+              <a:rPr lang="zh-TW" altLang="en-US" sz="2000" dirty="0" smtClean="0"/>
+              <a:t>的書局</a:t>
+            </a:r>
+            <a:endParaRPr lang="en-US" altLang="zh-TW" sz="2000" dirty="0" smtClean="0"/>
+          </a:p>
+          <a:p>
+            <a:endParaRPr lang="en-US" altLang="zh-TW" sz="2000" dirty="0"/>
+          </a:p>
+          <a:p>
+            <a:r>
+              <a:rPr lang="en-US" altLang="zh-TW" sz="2000" dirty="0" err="1" smtClean="0"/>
+              <a:t>Logstash</a:t>
+            </a:r>
+            <a:r>
+              <a:rPr lang="zh-TW" altLang="en-US" sz="2000" dirty="0" smtClean="0"/>
+              <a:t>、</a:t>
+            </a:r>
+            <a:r>
+              <a:rPr lang="en-US" altLang="zh-TW" sz="2000" dirty="0" err="1"/>
+              <a:t>Kibana</a:t>
+            </a:r>
+            <a:endParaRPr lang="en-US" altLang="zh-TW" sz="2000" dirty="0" smtClean="0"/>
           </a:p>
         </p:txBody>
       </p:sp>
@@ -5659,6 +5761,114 @@
           </a:p>
         </p:txBody>
       </p:sp>
+      <p:pic>
+        <p:nvPicPr>
+          <p:cNvPr id="1027" name="Picture 3"/>
+          <p:cNvPicPr>
+            <a:picLocks noChangeAspect="1" noChangeArrowheads="1"/>
+          </p:cNvPicPr>
+          <p:nvPr/>
+        </p:nvPicPr>
+        <p:blipFill>
+          <a:blip r:embed="rId3">
+            <a:extLst>
+              <a:ext uri="{28A0092B-C50C-407E-A947-70E740481C1C}">
+                <a14:useLocalDpi xmlns:a14="http://schemas.microsoft.com/office/drawing/2010/main" val="0"/>
+              </a:ext>
+            </a:extLst>
+          </a:blip>
+          <a:srcRect/>
+          <a:stretch>
+            <a:fillRect/>
+          </a:stretch>
+        </p:blipFill>
+        <p:spPr bwMode="auto">
+          <a:xfrm>
+            <a:off x="539552" y="2715766"/>
+            <a:ext cx="4786342" cy="1800200"/>
+          </a:xfrm>
+          <a:prstGeom prst="rect">
+            <a:avLst/>
+          </a:prstGeom>
+          <a:noFill/>
+          <a:ln>
+            <a:noFill/>
+          </a:ln>
+          <a:extLst>
+            <a:ext uri="{909E8E84-426E-40DD-AFC4-6F175D3DCCD1}">
+              <a14:hiddenFill xmlns:a14="http://schemas.microsoft.com/office/drawing/2010/main">
+                <a:solidFill>
+                  <a:schemeClr val="accent1"/>
+                </a:solidFill>
+              </a14:hiddenFill>
+            </a:ext>
+            <a:ext uri="{91240B29-F687-4F45-9708-019B960494DF}">
+              <a14:hiddenLine xmlns:a14="http://schemas.microsoft.com/office/drawing/2010/main" w="9525">
+                <a:solidFill>
+                  <a:schemeClr val="tx1"/>
+                </a:solidFill>
+                <a:miter lim="800000"/>
+                <a:headEnd/>
+                <a:tailEnd/>
+              </a14:hiddenLine>
+            </a:ext>
+          </a:extLst>
+        </p:spPr>
+      </p:pic>
+      <p:pic>
+        <p:nvPicPr>
+          <p:cNvPr id="1028" name="Picture 4"/>
+          <p:cNvPicPr>
+            <a:picLocks noChangeAspect="1" noChangeArrowheads="1"/>
+          </p:cNvPicPr>
+          <p:nvPr/>
+        </p:nvPicPr>
+        <p:blipFill>
+          <a:blip r:embed="rId4">
+            <a:extLst>
+              <a:ext uri="{28A0092B-C50C-407E-A947-70E740481C1C}">
+                <a14:useLocalDpi xmlns:a14="http://schemas.microsoft.com/office/drawing/2010/main" val="0"/>
+              </a:ext>
+            </a:extLst>
+          </a:blip>
+          <a:srcRect/>
+          <a:stretch>
+            <a:fillRect/>
+          </a:stretch>
+        </p:blipFill>
+        <p:spPr bwMode="auto">
+          <a:xfrm>
+            <a:off x="5940152" y="3075806"/>
+            <a:ext cx="2887985" cy="1301253"/>
+          </a:xfrm>
+          <a:prstGeom prst="rect">
+            <a:avLst/>
+          </a:prstGeom>
+          <a:noFill/>
+          <a:ln>
+            <a:noFill/>
+          </a:ln>
+          <a:extLst>
+            <a:ext uri="{909E8E84-426E-40DD-AFC4-6F175D3DCCD1}">
+              <a14:hiddenFill xmlns:a14="http://schemas.microsoft.com/office/drawing/2010/main">
+                <a:solidFill>
+                  <a:schemeClr val="accent1"/>
+                </a:solidFill>
+              </a14:hiddenFill>
+            </a:ext>
+            <a:ext uri="{91240B29-F687-4F45-9708-019B960494DF}">
+              <a14:hiddenLine xmlns:a14="http://schemas.microsoft.com/office/drawing/2010/main" w="9525">
+                <a:solidFill>
+                  <a:schemeClr val="tx1"/>
+                </a:solidFill>
+                <a:miter lim="800000"/>
+                <a:headEnd/>
+                <a:tailEnd/>
+              </a14:hiddenLine>
+            </a:ext>
+          </a:extLst>
+        </p:spPr>
+      </p:pic>
     </p:spTree>
     <p:extLst>
       <p:ext uri="{BB962C8B-B14F-4D97-AF65-F5344CB8AC3E}">
